--- a/非受控文档/01-江亮儒/PRD2018-G11-UML建模工具简述.pptx
+++ b/非受控文档/01-江亮儒/PRD2018-G11-UML建模工具简述.pptx
@@ -5,34 +5,34 @@
     <p:sldMasterId id="2147483648" r:id="rId1"/>
   </p:sldMasterIdLst>
   <p:notesMasterIdLst>
-    <p:notesMasterId r:id="rId22"/>
+    <p:notesMasterId r:id="rId4"/>
   </p:notesMasterIdLst>
   <p:handoutMasterIdLst>
-    <p:handoutMasterId r:id="rId23"/>
+    <p:handoutMasterId r:id="rId24"/>
   </p:handoutMasterIdLst>
   <p:sldIdLst>
-    <p:sldId id="370" r:id="rId2"/>
-    <p:sldId id="492" r:id="rId3"/>
-    <p:sldId id="439" r:id="rId4"/>
-    <p:sldId id="471" r:id="rId5"/>
-    <p:sldId id="450" r:id="rId6"/>
-    <p:sldId id="470" r:id="rId7"/>
-    <p:sldId id="533" r:id="rId8"/>
-    <p:sldId id="534" r:id="rId9"/>
-    <p:sldId id="437" r:id="rId10"/>
-    <p:sldId id="456" r:id="rId11"/>
-    <p:sldId id="535" r:id="rId12"/>
-    <p:sldId id="480" r:id="rId13"/>
-    <p:sldId id="472" r:id="rId14"/>
-    <p:sldId id="536" r:id="rId15"/>
-    <p:sldId id="537" r:id="rId16"/>
-    <p:sldId id="538" r:id="rId17"/>
-    <p:sldId id="539" r:id="rId18"/>
-    <p:sldId id="540" r:id="rId19"/>
-    <p:sldId id="532" r:id="rId20"/>
-    <p:sldId id="436" r:id="rId21"/>
+    <p:sldId id="370" r:id="rId3"/>
+    <p:sldId id="492" r:id="rId5"/>
+    <p:sldId id="439" r:id="rId6"/>
+    <p:sldId id="471" r:id="rId7"/>
+    <p:sldId id="450" r:id="rId8"/>
+    <p:sldId id="470" r:id="rId9"/>
+    <p:sldId id="533" r:id="rId10"/>
+    <p:sldId id="534" r:id="rId11"/>
+    <p:sldId id="437" r:id="rId12"/>
+    <p:sldId id="456" r:id="rId13"/>
+    <p:sldId id="535" r:id="rId14"/>
+    <p:sldId id="480" r:id="rId15"/>
+    <p:sldId id="472" r:id="rId16"/>
+    <p:sldId id="536" r:id="rId17"/>
+    <p:sldId id="537" r:id="rId18"/>
+    <p:sldId id="538" r:id="rId19"/>
+    <p:sldId id="539" r:id="rId20"/>
+    <p:sldId id="540" r:id="rId21"/>
+    <p:sldId id="532" r:id="rId22"/>
+    <p:sldId id="436" r:id="rId23"/>
   </p:sldIdLst>
-  <p:sldSz cx="12190413" cy="6859588"/>
+  <p:sldSz cx="12190095" cy="6859270"/>
   <p:notesSz cx="6858000" cy="9144000"/>
   <p:defaultTextStyle>
     <a:defPPr>
@@ -129,51 +129,6 @@
       </a:defRPr>
     </a:lvl9pPr>
   </p:defaultTextStyle>
-  <p:extLst>
-    <p:ext uri="{EFAFB233-063F-42B5-8137-9DF3F51BA10A}">
-      <p15:sldGuideLst xmlns:p15="http://schemas.microsoft.com/office/powerpoint/2012/main">
-        <p15:guide id="1" orient="horz" pos="2160">
-          <p15:clr>
-            <a:srgbClr val="A4A3A4"/>
-          </p15:clr>
-        </p15:guide>
-        <p15:guide id="2" orient="horz" pos="3901">
-          <p15:clr>
-            <a:srgbClr val="A4A3A4"/>
-          </p15:clr>
-        </p15:guide>
-        <p15:guide id="3" pos="3839">
-          <p15:clr>
-            <a:srgbClr val="A4A3A4"/>
-          </p15:clr>
-        </p15:guide>
-        <p15:guide id="4" pos="7208">
-          <p15:clr>
-            <a:srgbClr val="A4A3A4"/>
-          </p15:clr>
-        </p15:guide>
-        <p15:guide id="5" pos="573">
-          <p15:clr>
-            <a:srgbClr val="A4A3A4"/>
-          </p15:clr>
-        </p15:guide>
-      </p15:sldGuideLst>
-    </p:ext>
-    <p:ext uri="{2D200454-40CA-4A62-9FC3-DE9A4176ACB9}">
-      <p15:notesGuideLst xmlns:p15="http://schemas.microsoft.com/office/powerpoint/2012/main">
-        <p15:guide id="1" orient="horz" pos="2880">
-          <p15:clr>
-            <a:srgbClr val="A4A3A4"/>
-          </p15:clr>
-        </p15:guide>
-        <p15:guide id="2" pos="2160">
-          <p15:clr>
-            <a:srgbClr val="A4A3A4"/>
-          </p15:clr>
-        </p15:guide>
-      </p15:notesGuideLst>
-    </p:ext>
-  </p:extLst>
 </p:presentation>
 </file>
 
@@ -259,7 +214,6 @@
           <a:p>
             <a:fld id="{5D1C15E6-6BD2-4E4B-B1D4-218C26E1B228}" type="datetimeFigureOut">
               <a:rPr lang="zh-CN" altLang="en-US" smtClean="0"/>
-              <a:t>2018/10/21</a:t>
             </a:fld>
             <a:endParaRPr lang="zh-CN" altLang="en-US"/>
           </a:p>
@@ -325,7 +279,6 @@
           <a:p>
             <a:fld id="{E655EDCA-2189-4435-B38B-6F3C2C044356}" type="slidenum">
               <a:rPr lang="zh-CN" altLang="en-US" smtClean="0"/>
-              <a:t>‹#›</a:t>
             </a:fld>
             <a:endParaRPr lang="zh-CN" altLang="en-US"/>
           </a:p>
@@ -419,7 +372,6 @@
           <a:p>
             <a:fld id="{0B17430C-5A66-4BD0-A971-34190B6C6019}" type="datetimeFigureOut">
               <a:rPr lang="zh-CN" altLang="en-US" smtClean="0"/>
-              <a:t>2018/10/21</a:t>
             </a:fld>
             <a:endParaRPr lang="zh-CN" altLang="en-US"/>
           </a:p>
@@ -486,6 +438,7 @@
               <a:rPr lang="zh-CN" altLang="en-US" smtClean="0"/>
               <a:t>单击此处编辑母版文本样式</a:t>
             </a:r>
+            <a:endParaRPr lang="zh-CN" altLang="en-US" smtClean="0"/>
           </a:p>
           <a:p>
             <a:pPr lvl="1"/>
@@ -493,6 +446,7 @@
               <a:rPr lang="zh-CN" altLang="en-US" smtClean="0"/>
               <a:t>第二级</a:t>
             </a:r>
+            <a:endParaRPr lang="zh-CN" altLang="en-US" smtClean="0"/>
           </a:p>
           <a:p>
             <a:pPr lvl="2"/>
@@ -500,6 +454,7 @@
               <a:rPr lang="zh-CN" altLang="en-US" smtClean="0"/>
               <a:t>第三级</a:t>
             </a:r>
+            <a:endParaRPr lang="zh-CN" altLang="en-US" smtClean="0"/>
           </a:p>
           <a:p>
             <a:pPr lvl="3"/>
@@ -507,6 +462,7 @@
               <a:rPr lang="zh-CN" altLang="en-US" smtClean="0"/>
               <a:t>第四级</a:t>
             </a:r>
+            <a:endParaRPr lang="zh-CN" altLang="en-US" smtClean="0"/>
           </a:p>
           <a:p>
             <a:pPr lvl="4"/>
@@ -578,7 +534,6 @@
           <a:p>
             <a:fld id="{74AC173A-3DA8-4893-B28A-1E15F55C330A}" type="slidenum">
               <a:rPr lang="zh-CN" altLang="en-US" smtClean="0"/>
-              <a:t>‹#›</a:t>
             </a:fld>
             <a:endParaRPr lang="zh-CN" altLang="en-US"/>
           </a:p>
@@ -747,7 +702,6 @@
           <a:p>
             <a:fld id="{74AC173A-3DA8-4893-B28A-1E15F55C330A}" type="slidenum">
               <a:rPr lang="zh-CN" altLang="en-US" smtClean="0"/>
-              <a:t>1</a:t>
             </a:fld>
             <a:endParaRPr lang="zh-CN" altLang="en-US"/>
           </a:p>
@@ -826,7 +780,6 @@
           <a:p>
             <a:fld id="{74AC173A-3DA8-4893-B28A-1E15F55C330A}" type="slidenum">
               <a:rPr lang="zh-CN" altLang="en-US" smtClean="0"/>
-              <a:t>2</a:t>
             </a:fld>
             <a:endParaRPr lang="zh-CN" altLang="en-US"/>
           </a:p>
@@ -905,18 +858,12 @@
           <a:p>
             <a:fld id="{74AC173A-3DA8-4893-B28A-1E15F55C330A}" type="slidenum">
               <a:rPr lang="zh-CN" altLang="en-US" smtClean="0"/>
-              <a:t>18</a:t>
             </a:fld>
             <a:endParaRPr lang="zh-CN" altLang="en-US"/>
           </a:p>
         </p:txBody>
       </p:sp>
     </p:spTree>
-    <p:extLst>
-      <p:ext uri="{BB962C8B-B14F-4D97-AF65-F5344CB8AC3E}">
-        <p14:creationId xmlns:p14="http://schemas.microsoft.com/office/powerpoint/2010/main" val="386699787"/>
-      </p:ext>
-    </p:extLst>
   </p:cSld>
   <p:clrMapOvr>
     <a:masterClrMapping/>
@@ -989,18 +936,12 @@
           <a:p>
             <a:fld id="{74AC173A-3DA8-4893-B28A-1E15F55C330A}" type="slidenum">
               <a:rPr lang="zh-CN" altLang="en-US" smtClean="0"/>
-              <a:t>19</a:t>
             </a:fld>
             <a:endParaRPr lang="zh-CN" altLang="en-US"/>
           </a:p>
         </p:txBody>
       </p:sp>
     </p:spTree>
-    <p:extLst>
-      <p:ext uri="{BB962C8B-B14F-4D97-AF65-F5344CB8AC3E}">
-        <p14:creationId xmlns:p14="http://schemas.microsoft.com/office/powerpoint/2010/main" val="445075440"/>
-      </p:ext>
-    </p:extLst>
   </p:cSld>
   <p:clrMapOvr>
     <a:masterClrMapping/>
@@ -1073,7 +1014,6 @@
           <a:p>
             <a:fld id="{74AC173A-3DA8-4893-B28A-1E15F55C330A}" type="slidenum">
               <a:rPr lang="zh-CN" altLang="en-US" smtClean="0"/>
-              <a:t>20</a:t>
             </a:fld>
             <a:endParaRPr lang="zh-CN" altLang="en-US"/>
           </a:p>
@@ -1285,7 +1225,6 @@
                 <a:latin typeface="微软雅黑" panose="020B0503020204020204" pitchFamily="34" charset="-122"/>
                 <a:ea typeface="微软雅黑" panose="020B0503020204020204" pitchFamily="34" charset="-122"/>
               </a:rPr>
-              <a:t>‹#›</a:t>
             </a:fld>
             <a:r>
               <a:rPr lang="zh-CN" altLang="en-US" sz="1800" dirty="0" smtClean="0">
@@ -2215,7 +2154,6 @@
           <a:p>
             <a:fld id="{530820CF-B880-4189-942D-D702A7CBA730}" type="datetimeFigureOut">
               <a:rPr lang="zh-CN" altLang="en-US" smtClean="0"/>
-              <a:t>2018/10/21</a:t>
             </a:fld>
             <a:endParaRPr lang="zh-CN" altLang="en-US"/>
           </a:p>
@@ -2273,7 +2211,6 @@
           <a:p>
             <a:fld id="{0C913308-F349-4B6D-A68A-DD1791B4A57B}" type="slidenum">
               <a:rPr lang="zh-CN" altLang="en-US" smtClean="0"/>
-              <a:t>‹#›</a:t>
             </a:fld>
             <a:endParaRPr lang="zh-CN" altLang="en-US"/>
           </a:p>
@@ -2332,7 +2269,6 @@
           <a:p>
             <a:fld id="{530820CF-B880-4189-942D-D702A7CBA730}" type="datetimeFigureOut">
               <a:rPr lang="zh-CN" altLang="en-US" smtClean="0"/>
-              <a:t>2018/10/21</a:t>
             </a:fld>
             <a:endParaRPr lang="zh-CN" altLang="en-US"/>
           </a:p>
@@ -2390,7 +2326,6 @@
           <a:p>
             <a:fld id="{0C913308-F349-4B6D-A68A-DD1791B4A57B}" type="slidenum">
               <a:rPr lang="zh-CN" altLang="en-US" smtClean="0"/>
-              <a:t>‹#›</a:t>
             </a:fld>
             <a:endParaRPr lang="zh-CN" altLang="en-US"/>
           </a:p>
@@ -3221,17 +3156,7 @@
                 <a:latin typeface="微软雅黑" panose="020B0503020204020204" pitchFamily="34" charset="-122"/>
                 <a:ea typeface="微软雅黑" panose="020B0503020204020204" pitchFamily="34" charset="-122"/>
               </a:rPr>
-              <a:t>			</a:t>
-            </a:r>
-            <a:r>
-              <a:rPr lang="en-US" altLang="zh-CN" sz="5400" dirty="0" smtClean="0">
-                <a:solidFill>
-                  <a:srgbClr val="38B1BF"/>
-                </a:solidFill>
-                <a:latin typeface="微软雅黑" panose="020B0503020204020204" pitchFamily="34" charset="-122"/>
-                <a:ea typeface="微软雅黑" panose="020B0503020204020204" pitchFamily="34" charset="-122"/>
-              </a:rPr>
-              <a:t>——RSA</a:t>
+              <a:t>			——RSA</a:t>
             </a:r>
             <a:endParaRPr lang="zh-CN" altLang="en-US" sz="5400" dirty="0">
               <a:solidFill>
@@ -3539,6 +3464,14 @@
               </a:rPr>
               <a:t>浙江大学城市学院</a:t>
             </a:r>
+            <a:endParaRPr lang="zh-CN" altLang="en-US" kern="300" spc="2000">
+              <a:solidFill>
+                <a:schemeClr val="tx1"/>
+              </a:solidFill>
+              <a:uFillTx/>
+              <a:latin typeface="+中文标题" charset="0"/>
+              <a:ea typeface="+mj-ea"/>
+            </a:endParaRPr>
           </a:p>
         </p:txBody>
       </p:sp>
@@ -3547,13 +3480,13 @@
   <p:clrMapOvr>
     <a:masterClrMapping/>
   </p:clrMapOvr>
-  <mc:AlternateContent xmlns:mc="http://schemas.openxmlformats.org/markup-compatibility/2006" xmlns:p14="http://schemas.microsoft.com/office/powerpoint/2010/main">
-    <mc:Choice Requires="p14">
+  <mc:AlternateContent xmlns:mc="http://schemas.openxmlformats.org/markup-compatibility/2006">
+    <mc:Choice xmlns:p14="http://schemas.microsoft.com/office/powerpoint/2010/main" Requires="p14">
       <p:transition spd="slow" p14:dur="1600" advClick="0" advTm="0">
         <p:blinds dir="vert"/>
       </p:transition>
     </mc:Choice>
-    <mc:Fallback xmlns="">
+    <mc:Fallback>
       <p:transition spd="slow" advClick="0" advTm="0">
         <p:blinds dir="vert"/>
       </p:transition>
@@ -3868,7 +3801,7 @@
                         <p:par>
                           <p:cTn id="29" fill="hold">
                             <p:stCondLst>
-                              <p:cond delay="200"/>
+                              <p:cond delay="500"/>
                             </p:stCondLst>
                             <p:childTnLst>
                               <p:par>
@@ -4023,7 +3956,7 @@
                         <p:par>
                           <p:cTn id="38" fill="hold">
                             <p:stCondLst>
-                              <p:cond delay="700"/>
+                              <p:cond delay="1000"/>
                             </p:stCondLst>
                             <p:childTnLst>
                               <p:par>
@@ -4140,7 +4073,7 @@
                         <p:par>
                           <p:cTn id="45" fill="hold">
                             <p:stCondLst>
-                              <p:cond delay="1400"/>
+                              <p:cond delay="2000"/>
                             </p:stCondLst>
                             <p:childTnLst>
                               <p:par>
@@ -4184,7 +4117,7 @@
                         <p:par>
                           <p:cTn id="49" fill="hold">
                             <p:stCondLst>
-                              <p:cond delay="1900"/>
+                              <p:cond delay="2500"/>
                             </p:stCondLst>
                             <p:childTnLst>
                               <p:par>
@@ -4251,7 +4184,7 @@
                         <p:par>
                           <p:cTn id="54" fill="hold">
                             <p:stCondLst>
-                              <p:cond delay="2400"/>
+                              <p:cond delay="3000"/>
                             </p:stCondLst>
                             <p:childTnLst>
                               <p:par>
@@ -4517,13 +4450,7 @@
           <p:cNvGraphicFramePr>
             <a:graphicFrameLocks noGrp="1"/>
           </p:cNvGraphicFramePr>
-          <p:nvPr>
-            <p:extLst>
-              <p:ext uri="{D42A27DB-BD31-4B8C-83A1-F6EECF244321}">
-                <p14:modId xmlns:p14="http://schemas.microsoft.com/office/powerpoint/2010/main" val="252254935"/>
-              </p:ext>
-            </p:extLst>
-          </p:nvPr>
+          <p:nvPr/>
         </p:nvGraphicFramePr>
         <p:xfrm>
           <a:off x="1080232" y="827638"/>
@@ -4536,20 +4463,8 @@
                 <a:tableStyleId>{5C22544A-7EE6-4342-B048-85BDC9FD1C3A}</a:tableStyleId>
               </a:tblPr>
               <a:tblGrid>
-                <a:gridCol w="2739588">
-                  <a:extLst>
-                    <a:ext uri="{9D8B030D-6E8A-4147-A177-3AD203B41FA5}">
-                      <a16:colId xmlns:a16="http://schemas.microsoft.com/office/drawing/2014/main" val="20000"/>
-                    </a:ext>
-                  </a:extLst>
-                </a:gridCol>
-                <a:gridCol w="7315946">
-                  <a:extLst>
-                    <a:ext uri="{9D8B030D-6E8A-4147-A177-3AD203B41FA5}">
-                      <a16:colId xmlns:a16="http://schemas.microsoft.com/office/drawing/2014/main" val="20001"/>
-                    </a:ext>
-                  </a:extLst>
-                </a:gridCol>
+                <a:gridCol w="2739588"/>
+                <a:gridCol w="7315946"/>
               </a:tblGrid>
               <a:tr h="278216">
                 <a:tc>
@@ -4573,9 +4488,9 @@
                       </a:r>
                       <a:endParaRPr lang="zh-CN" sz="1000">
                         <a:effectLst/>
-                        <a:latin typeface="Calibri"/>
-                        <a:ea typeface="黑体"/>
-                        <a:cs typeface="Times New Roman"/>
+                        <a:latin typeface="Calibri" panose="020F0502020204030204"/>
+                        <a:ea typeface="黑体" panose="02010609060101010101" charset="-122"/>
+                        <a:cs typeface="Times New Roman" panose="02020603050405020304"/>
                       </a:endParaRPr>
                     </a:p>
                   </a:txBody>
@@ -4602,19 +4517,14 @@
                       </a:r>
                       <a:endParaRPr lang="zh-CN" sz="1000" dirty="0">
                         <a:effectLst/>
-                        <a:latin typeface="Calibri"/>
-                        <a:ea typeface="黑体"/>
-                        <a:cs typeface="Times New Roman"/>
+                        <a:latin typeface="Calibri" panose="020F0502020204030204"/>
+                        <a:ea typeface="黑体" panose="02010609060101010101" charset="-122"/>
+                        <a:cs typeface="Times New Roman" panose="02020603050405020304"/>
                       </a:endParaRPr>
                     </a:p>
                   </a:txBody>
                   <a:tcPr marL="72920" marR="72920" marT="0" marB="0"/>
                 </a:tc>
-                <a:extLst>
-                  <a:ext uri="{0D108BD9-81ED-4DB2-BD59-A6C34878D82A}">
-                    <a16:rowId xmlns:a16="http://schemas.microsoft.com/office/drawing/2014/main" val="10000"/>
-                  </a:ext>
-                </a:extLst>
               </a:tr>
               <a:tr h="556430">
                 <a:tc>
@@ -4644,9 +4554,9 @@
                       </a:r>
                       <a:endParaRPr lang="zh-CN" sz="1600" kern="100" dirty="0">
                         <a:effectLst/>
-                        <a:latin typeface="Calibri"/>
-                        <a:ea typeface="宋体"/>
-                        <a:cs typeface="宋体"/>
+                        <a:latin typeface="Calibri" panose="020F0502020204030204"/>
+                        <a:ea typeface="宋体" panose="02010600030101010101" pitchFamily="2" charset="-122"/>
+                        <a:cs typeface="宋体" panose="02010600030101010101" pitchFamily="2" charset="-122"/>
                       </a:endParaRPr>
                     </a:p>
                   </a:txBody>
@@ -4685,19 +4595,14 @@
                       </a:r>
                       <a:endParaRPr lang="zh-CN" sz="1600" kern="100">
                         <a:effectLst/>
-                        <a:latin typeface="Calibri"/>
-                        <a:ea typeface="宋体"/>
-                        <a:cs typeface="宋体"/>
+                        <a:latin typeface="Calibri" panose="020F0502020204030204"/>
+                        <a:ea typeface="宋体" panose="02010600030101010101" pitchFamily="2" charset="-122"/>
+                        <a:cs typeface="宋体" panose="02010600030101010101" pitchFamily="2" charset="-122"/>
                       </a:endParaRPr>
                     </a:p>
                   </a:txBody>
                   <a:tcPr marL="72920" marR="72920" marT="0" marB="0" anchor="ctr"/>
                 </a:tc>
-                <a:extLst>
-                  <a:ext uri="{0D108BD9-81ED-4DB2-BD59-A6C34878D82A}">
-                    <a16:rowId xmlns:a16="http://schemas.microsoft.com/office/drawing/2014/main" val="10001"/>
-                  </a:ext>
-                </a:extLst>
               </a:tr>
               <a:tr h="556430">
                 <a:tc>
@@ -4727,9 +4632,9 @@
                       </a:r>
                       <a:endParaRPr lang="zh-CN" sz="1600" kern="100" dirty="0">
                         <a:effectLst/>
-                        <a:latin typeface="Calibri"/>
-                        <a:ea typeface="宋体"/>
-                        <a:cs typeface="宋体"/>
+                        <a:latin typeface="Calibri" panose="020F0502020204030204"/>
+                        <a:ea typeface="宋体" panose="02010600030101010101" pitchFamily="2" charset="-122"/>
+                        <a:cs typeface="宋体" panose="02010600030101010101" pitchFamily="2" charset="-122"/>
                       </a:endParaRPr>
                     </a:p>
                   </a:txBody>
@@ -4756,19 +4661,14 @@
                       </a:r>
                       <a:endParaRPr lang="zh-CN" sz="1600" kern="100">
                         <a:effectLst/>
-                        <a:latin typeface="Calibri"/>
-                        <a:ea typeface="宋体"/>
-                        <a:cs typeface="宋体"/>
+                        <a:latin typeface="Calibri" panose="020F0502020204030204"/>
+                        <a:ea typeface="宋体" panose="02010600030101010101" pitchFamily="2" charset="-122"/>
+                        <a:cs typeface="宋体" panose="02010600030101010101" pitchFamily="2" charset="-122"/>
                       </a:endParaRPr>
                     </a:p>
                   </a:txBody>
                   <a:tcPr marL="72920" marR="72920" marT="0" marB="0" anchor="ctr"/>
                 </a:tc>
-                <a:extLst>
-                  <a:ext uri="{0D108BD9-81ED-4DB2-BD59-A6C34878D82A}">
-                    <a16:rowId xmlns:a16="http://schemas.microsoft.com/office/drawing/2014/main" val="10002"/>
-                  </a:ext>
-                </a:extLst>
               </a:tr>
               <a:tr h="1112860">
                 <a:tc>
@@ -4798,9 +4698,9 @@
                       </a:r>
                       <a:endParaRPr lang="zh-CN" sz="1600" kern="100">
                         <a:effectLst/>
-                        <a:latin typeface="Calibri"/>
-                        <a:ea typeface="宋体"/>
-                        <a:cs typeface="宋体"/>
+                        <a:latin typeface="Calibri" panose="020F0502020204030204"/>
+                        <a:ea typeface="宋体" panose="02010600030101010101" pitchFamily="2" charset="-122"/>
+                        <a:cs typeface="宋体" panose="02010600030101010101" pitchFamily="2" charset="-122"/>
                       </a:endParaRPr>
                     </a:p>
                   </a:txBody>
@@ -4839,19 +4739,14 @@
                       </a:r>
                       <a:endParaRPr lang="zh-CN" sz="1600" kern="100" dirty="0">
                         <a:effectLst/>
-                        <a:latin typeface="Calibri"/>
-                        <a:ea typeface="宋体"/>
-                        <a:cs typeface="宋体"/>
+                        <a:latin typeface="Calibri" panose="020F0502020204030204"/>
+                        <a:ea typeface="宋体" panose="02010600030101010101" pitchFamily="2" charset="-122"/>
+                        <a:cs typeface="宋体" panose="02010600030101010101" pitchFamily="2" charset="-122"/>
                       </a:endParaRPr>
                     </a:p>
                   </a:txBody>
                   <a:tcPr marL="72920" marR="72920" marT="0" marB="0" anchor="ctr"/>
                 </a:tc>
-                <a:extLst>
-                  <a:ext uri="{0D108BD9-81ED-4DB2-BD59-A6C34878D82A}">
-                    <a16:rowId xmlns:a16="http://schemas.microsoft.com/office/drawing/2014/main" val="10003"/>
-                  </a:ext>
-                </a:extLst>
               </a:tr>
               <a:tr h="556430">
                 <a:tc>
@@ -4881,9 +4776,9 @@
                       </a:r>
                       <a:endParaRPr lang="zh-CN" sz="1600" kern="100">
                         <a:effectLst/>
-                        <a:latin typeface="Calibri"/>
-                        <a:ea typeface="宋体"/>
-                        <a:cs typeface="宋体"/>
+                        <a:latin typeface="Calibri" panose="020F0502020204030204"/>
+                        <a:ea typeface="宋体" panose="02010600030101010101" pitchFamily="2" charset="-122"/>
+                        <a:cs typeface="宋体" panose="02010600030101010101" pitchFamily="2" charset="-122"/>
                       </a:endParaRPr>
                     </a:p>
                   </a:txBody>
@@ -4910,19 +4805,14 @@
                       </a:r>
                       <a:endParaRPr lang="zh-CN" sz="1600" kern="100" dirty="0">
                         <a:effectLst/>
-                        <a:latin typeface="Calibri"/>
-                        <a:ea typeface="宋体"/>
-                        <a:cs typeface="宋体"/>
+                        <a:latin typeface="Calibri" panose="020F0502020204030204"/>
+                        <a:ea typeface="宋体" panose="02010600030101010101" pitchFamily="2" charset="-122"/>
+                        <a:cs typeface="宋体" panose="02010600030101010101" pitchFamily="2" charset="-122"/>
                       </a:endParaRPr>
                     </a:p>
                   </a:txBody>
                   <a:tcPr marL="72920" marR="72920" marT="0" marB="0" anchor="ctr"/>
                 </a:tc>
-                <a:extLst>
-                  <a:ext uri="{0D108BD9-81ED-4DB2-BD59-A6C34878D82A}">
-                    <a16:rowId xmlns:a16="http://schemas.microsoft.com/office/drawing/2014/main" val="10004"/>
-                  </a:ext>
-                </a:extLst>
               </a:tr>
               <a:tr h="278216">
                 <a:tc>
@@ -4952,9 +4842,9 @@
                       </a:r>
                       <a:endParaRPr lang="zh-CN" sz="1600" kern="100">
                         <a:effectLst/>
-                        <a:latin typeface="Calibri"/>
-                        <a:ea typeface="宋体"/>
-                        <a:cs typeface="宋体"/>
+                        <a:latin typeface="Calibri" panose="020F0502020204030204"/>
+                        <a:ea typeface="宋体" panose="02010600030101010101" pitchFamily="2" charset="-122"/>
+                        <a:cs typeface="宋体" panose="02010600030101010101" pitchFamily="2" charset="-122"/>
                       </a:endParaRPr>
                     </a:p>
                   </a:txBody>
@@ -4981,19 +4871,14 @@
                       </a:r>
                       <a:endParaRPr lang="zh-CN" sz="1600" kern="100" dirty="0">
                         <a:effectLst/>
-                        <a:latin typeface="Calibri"/>
-                        <a:ea typeface="宋体"/>
-                        <a:cs typeface="宋体"/>
+                        <a:latin typeface="Calibri" panose="020F0502020204030204"/>
+                        <a:ea typeface="宋体" panose="02010600030101010101" pitchFamily="2" charset="-122"/>
+                        <a:cs typeface="宋体" panose="02010600030101010101" pitchFamily="2" charset="-122"/>
                       </a:endParaRPr>
                     </a:p>
                   </a:txBody>
                   <a:tcPr marL="72920" marR="72920" marT="0" marB="0" anchor="ctr"/>
                 </a:tc>
-                <a:extLst>
-                  <a:ext uri="{0D108BD9-81ED-4DB2-BD59-A6C34878D82A}">
-                    <a16:rowId xmlns:a16="http://schemas.microsoft.com/office/drawing/2014/main" val="10005"/>
-                  </a:ext>
-                </a:extLst>
               </a:tr>
               <a:tr h="278216">
                 <a:tc>
@@ -5023,9 +4908,9 @@
                       </a:r>
                       <a:endParaRPr lang="zh-CN" sz="1600" kern="100">
                         <a:effectLst/>
-                        <a:latin typeface="Calibri"/>
-                        <a:ea typeface="宋体"/>
-                        <a:cs typeface="宋体"/>
+                        <a:latin typeface="Calibri" panose="020F0502020204030204"/>
+                        <a:ea typeface="宋体" panose="02010600030101010101" pitchFamily="2" charset="-122"/>
+                        <a:cs typeface="宋体" panose="02010600030101010101" pitchFamily="2" charset="-122"/>
                       </a:endParaRPr>
                     </a:p>
                   </a:txBody>
@@ -5052,19 +4937,14 @@
                       </a:r>
                       <a:endParaRPr lang="zh-CN" sz="1600" kern="100" dirty="0">
                         <a:effectLst/>
-                        <a:latin typeface="Calibri"/>
-                        <a:ea typeface="宋体"/>
-                        <a:cs typeface="宋体"/>
+                        <a:latin typeface="Calibri" panose="020F0502020204030204"/>
+                        <a:ea typeface="宋体" panose="02010600030101010101" pitchFamily="2" charset="-122"/>
+                        <a:cs typeface="宋体" panose="02010600030101010101" pitchFamily="2" charset="-122"/>
                       </a:endParaRPr>
                     </a:p>
                   </a:txBody>
                   <a:tcPr marL="72920" marR="72920" marT="0" marB="0" anchor="ctr"/>
                 </a:tc>
-                <a:extLst>
-                  <a:ext uri="{0D108BD9-81ED-4DB2-BD59-A6C34878D82A}">
-                    <a16:rowId xmlns:a16="http://schemas.microsoft.com/office/drawing/2014/main" val="10006"/>
-                  </a:ext>
-                </a:extLst>
               </a:tr>
               <a:tr h="556430">
                 <a:tc>
@@ -5094,9 +4974,9 @@
                       </a:r>
                       <a:endParaRPr lang="zh-CN" sz="1600" kern="100">
                         <a:effectLst/>
-                        <a:latin typeface="Calibri"/>
-                        <a:ea typeface="宋体"/>
-                        <a:cs typeface="宋体"/>
+                        <a:latin typeface="Calibri" panose="020F0502020204030204"/>
+                        <a:ea typeface="宋体" panose="02010600030101010101" pitchFamily="2" charset="-122"/>
+                        <a:cs typeface="宋体" panose="02010600030101010101" pitchFamily="2" charset="-122"/>
                       </a:endParaRPr>
                     </a:p>
                   </a:txBody>
@@ -5123,19 +5003,14 @@
                       </a:r>
                       <a:endParaRPr lang="zh-CN" sz="1600" kern="100" dirty="0">
                         <a:effectLst/>
-                        <a:latin typeface="Calibri"/>
-                        <a:ea typeface="宋体"/>
-                        <a:cs typeface="宋体"/>
+                        <a:latin typeface="Calibri" panose="020F0502020204030204"/>
+                        <a:ea typeface="宋体" panose="02010600030101010101" pitchFamily="2" charset="-122"/>
+                        <a:cs typeface="宋体" panose="02010600030101010101" pitchFamily="2" charset="-122"/>
                       </a:endParaRPr>
                     </a:p>
                   </a:txBody>
                   <a:tcPr marL="72920" marR="72920" marT="0" marB="0" anchor="ctr"/>
                 </a:tc>
-                <a:extLst>
-                  <a:ext uri="{0D108BD9-81ED-4DB2-BD59-A6C34878D82A}">
-                    <a16:rowId xmlns:a16="http://schemas.microsoft.com/office/drawing/2014/main" val="10007"/>
-                  </a:ext>
-                </a:extLst>
               </a:tr>
               <a:tr h="556430">
                 <a:tc>
@@ -5165,9 +5040,9 @@
                       </a:r>
                       <a:endParaRPr lang="zh-CN" sz="1600" kern="100">
                         <a:effectLst/>
-                        <a:latin typeface="Calibri"/>
-                        <a:ea typeface="宋体"/>
-                        <a:cs typeface="宋体"/>
+                        <a:latin typeface="Calibri" panose="020F0502020204030204"/>
+                        <a:ea typeface="宋体" panose="02010600030101010101" pitchFamily="2" charset="-122"/>
+                        <a:cs typeface="宋体" panose="02010600030101010101" pitchFamily="2" charset="-122"/>
                       </a:endParaRPr>
                     </a:p>
                   </a:txBody>
@@ -5194,19 +5069,14 @@
                       </a:r>
                       <a:endParaRPr lang="zh-CN" sz="1600" kern="100" dirty="0">
                         <a:effectLst/>
-                        <a:latin typeface="Calibri"/>
-                        <a:ea typeface="宋体"/>
-                        <a:cs typeface="宋体"/>
+                        <a:latin typeface="Calibri" panose="020F0502020204030204"/>
+                        <a:ea typeface="宋体" panose="02010600030101010101" pitchFamily="2" charset="-122"/>
+                        <a:cs typeface="宋体" panose="02010600030101010101" pitchFamily="2" charset="-122"/>
                       </a:endParaRPr>
                     </a:p>
                   </a:txBody>
                   <a:tcPr marL="72920" marR="72920" marT="0" marB="0" anchor="ctr"/>
                 </a:tc>
-                <a:extLst>
-                  <a:ext uri="{0D108BD9-81ED-4DB2-BD59-A6C34878D82A}">
-                    <a16:rowId xmlns:a16="http://schemas.microsoft.com/office/drawing/2014/main" val="10008"/>
-                  </a:ext>
-                </a:extLst>
               </a:tr>
               <a:tr h="556430">
                 <a:tc>
@@ -5236,9 +5106,9 @@
                       </a:r>
                       <a:endParaRPr lang="zh-CN" sz="1600" kern="100">
                         <a:effectLst/>
-                        <a:latin typeface="Calibri"/>
-                        <a:ea typeface="宋体"/>
-                        <a:cs typeface="宋体"/>
+                        <a:latin typeface="Calibri" panose="020F0502020204030204"/>
+                        <a:ea typeface="宋体" panose="02010600030101010101" pitchFamily="2" charset="-122"/>
+                        <a:cs typeface="宋体" panose="02010600030101010101" pitchFamily="2" charset="-122"/>
                       </a:endParaRPr>
                     </a:p>
                   </a:txBody>
@@ -5265,19 +5135,14 @@
                       </a:r>
                       <a:endParaRPr lang="zh-CN" sz="1600" kern="100" dirty="0">
                         <a:effectLst/>
-                        <a:latin typeface="Calibri"/>
-                        <a:ea typeface="宋体"/>
-                        <a:cs typeface="宋体"/>
+                        <a:latin typeface="Calibri" panose="020F0502020204030204"/>
+                        <a:ea typeface="宋体" panose="02010600030101010101" pitchFamily="2" charset="-122"/>
+                        <a:cs typeface="宋体" panose="02010600030101010101" pitchFamily="2" charset="-122"/>
                       </a:endParaRPr>
                     </a:p>
                   </a:txBody>
                   <a:tcPr marL="72920" marR="72920" marT="0" marB="0" anchor="ctr"/>
                 </a:tc>
-                <a:extLst>
-                  <a:ext uri="{0D108BD9-81ED-4DB2-BD59-A6C34878D82A}">
-                    <a16:rowId xmlns:a16="http://schemas.microsoft.com/office/drawing/2014/main" val="10009"/>
-                  </a:ext>
-                </a:extLst>
               </a:tr>
               <a:tr h="556430">
                 <a:tc>
@@ -5307,9 +5172,9 @@
                       </a:r>
                       <a:endParaRPr lang="zh-CN" sz="1600" kern="100" dirty="0">
                         <a:effectLst/>
-                        <a:latin typeface="Calibri"/>
-                        <a:ea typeface="宋体"/>
-                        <a:cs typeface="宋体"/>
+                        <a:latin typeface="Calibri" panose="020F0502020204030204"/>
+                        <a:ea typeface="宋体" panose="02010600030101010101" pitchFamily="2" charset="-122"/>
+                        <a:cs typeface="宋体" panose="02010600030101010101" pitchFamily="2" charset="-122"/>
                       </a:endParaRPr>
                     </a:p>
                   </a:txBody>
@@ -5336,19 +5201,14 @@
                       </a:r>
                       <a:endParaRPr lang="zh-CN" sz="1600" kern="100" dirty="0">
                         <a:effectLst/>
-                        <a:latin typeface="Calibri"/>
-                        <a:ea typeface="宋体"/>
-                        <a:cs typeface="宋体"/>
+                        <a:latin typeface="Calibri" panose="020F0502020204030204"/>
+                        <a:ea typeface="宋体" panose="02010600030101010101" pitchFamily="2" charset="-122"/>
+                        <a:cs typeface="宋体" panose="02010600030101010101" pitchFamily="2" charset="-122"/>
                       </a:endParaRPr>
                     </a:p>
                   </a:txBody>
                   <a:tcPr marL="72920" marR="72920" marT="0" marB="0" anchor="ctr"/>
                 </a:tc>
-                <a:extLst>
-                  <a:ext uri="{0D108BD9-81ED-4DB2-BD59-A6C34878D82A}">
-                    <a16:rowId xmlns:a16="http://schemas.microsoft.com/office/drawing/2014/main" val="10010"/>
-                  </a:ext>
-                </a:extLst>
               </a:tr>
             </a:tbl>
           </a:graphicData>
@@ -5536,7 +5396,7 @@
           <p:nvPr/>
         </p:nvPicPr>
         <p:blipFill>
-          <a:blip r:embed="rId2">
+          <a:blip r:embed="rId1">
             <a:extLst>
               <a:ext uri="{28A0092B-C50C-407E-A947-70E740481C1C}">
                 <a14:useLocalDpi xmlns:a14="http://schemas.microsoft.com/office/drawing/2010/main" val="0"/>
@@ -5672,11 +5532,6 @@
         </p:cxnSp>
       </p:grpSp>
     </p:spTree>
-    <p:extLst>
-      <p:ext uri="{BB962C8B-B14F-4D97-AF65-F5344CB8AC3E}">
-        <p14:creationId xmlns:p14="http://schemas.microsoft.com/office/powerpoint/2010/main" val="442082760"/>
-      </p:ext>
-    </p:extLst>
   </p:cSld>
   <p:clrMapOvr>
     <a:masterClrMapping/>
@@ -6436,18 +6291,7 @@
                   <a:ea typeface="微软雅黑" panose="020B0503020204020204" pitchFamily="34" charset="-122"/>
                   <a:cs typeface="Times New Roman" panose="02020603050405020304" pitchFamily="18" charset="0"/>
                 </a:rPr>
-                <a:t>正</a:t>
-              </a:r>
-              <a:r>
-                <a:rPr lang="zh-CN" altLang="en-US" sz="2000" b="1" kern="100" dirty="0" smtClean="0">
-                  <a:solidFill>
-                    <a:schemeClr val="bg1"/>
-                  </a:solidFill>
-                  <a:latin typeface="微软雅黑" panose="020B0503020204020204" pitchFamily="34" charset="-122"/>
-                  <a:ea typeface="微软雅黑" panose="020B0503020204020204" pitchFamily="34" charset="-122"/>
-                  <a:cs typeface="Times New Roman" panose="02020603050405020304" pitchFamily="18" charset="0"/>
-                </a:rPr>
-                <a:t>向生成</a:t>
+                <a:t>正向生成</a:t>
               </a:r>
               <a:r>
                 <a:rPr lang="en-US" altLang="zh-CN" sz="2000" b="1" kern="100" dirty="0" smtClean="0">
@@ -6647,7 +6491,7 @@
                         <p:par>
                           <p:cTn id="17" fill="hold">
                             <p:stCondLst>
-                              <p:cond delay="2000"/>
+                              <p:cond delay="1500"/>
                             </p:stCondLst>
                             <p:childTnLst>
                               <p:par>
@@ -6713,7 +6557,7 @@
                         <p:par>
                           <p:cTn id="23" fill="hold">
                             <p:stCondLst>
-                              <p:cond delay="3000"/>
+                              <p:cond delay="2500"/>
                             </p:stCondLst>
                             <p:childTnLst>
                               <p:par>
@@ -6783,7 +6627,7 @@
                         <p:par>
                           <p:cTn id="30" fill="hold">
                             <p:stCondLst>
-                              <p:cond delay="4000"/>
+                              <p:cond delay="3000"/>
                             </p:stCondLst>
                             <p:childTnLst>
                               <p:par>
@@ -6849,7 +6693,7 @@
                         <p:par>
                           <p:cTn id="36" fill="hold">
                             <p:stCondLst>
-                              <p:cond delay="5000"/>
+                              <p:cond delay="4000"/>
                             </p:stCondLst>
                             <p:childTnLst>
                               <p:par>
@@ -7139,7 +6983,7 @@
           <p:nvPr/>
         </p:nvPicPr>
         <p:blipFill>
-          <a:blip r:embed="rId2"/>
+          <a:blip r:embed="rId1"/>
           <a:stretch>
             <a:fillRect/>
           </a:stretch>
@@ -7163,7 +7007,7 @@
           <p:nvPr/>
         </p:nvPicPr>
         <p:blipFill>
-          <a:blip r:embed="rId3"/>
+          <a:blip r:embed="rId2"/>
           <a:stretch>
             <a:fillRect/>
           </a:stretch>
@@ -7187,7 +7031,7 @@
           <p:nvPr/>
         </p:nvPicPr>
         <p:blipFill>
-          <a:blip r:embed="rId4"/>
+          <a:blip r:embed="rId3"/>
           <a:stretch>
             <a:fillRect/>
           </a:stretch>
@@ -7211,7 +7055,7 @@
           <p:nvPr/>
         </p:nvPicPr>
         <p:blipFill>
-          <a:blip r:embed="rId5"/>
+          <a:blip r:embed="rId4"/>
           <a:stretch>
             <a:fillRect/>
           </a:stretch>
@@ -7235,7 +7079,7 @@
           <p:nvPr/>
         </p:nvPicPr>
         <p:blipFill>
-          <a:blip r:embed="rId6"/>
+          <a:blip r:embed="rId5"/>
           <a:stretch>
             <a:fillRect/>
           </a:stretch>
@@ -7259,7 +7103,7 @@
           <p:nvPr/>
         </p:nvPicPr>
         <p:blipFill>
-          <a:blip r:embed="rId7"/>
+          <a:blip r:embed="rId6"/>
           <a:stretch>
             <a:fillRect/>
           </a:stretch>
@@ -7283,7 +7127,7 @@
           <p:nvPr/>
         </p:nvPicPr>
         <p:blipFill>
-          <a:blip r:embed="rId8"/>
+          <a:blip r:embed="rId7"/>
           <a:stretch>
             <a:fillRect/>
           </a:stretch>
@@ -8140,7 +7984,7 @@
           <p:nvPr/>
         </p:nvPicPr>
         <p:blipFill>
-          <a:blip r:embed="rId2"/>
+          <a:blip r:embed="rId1"/>
           <a:stretch>
             <a:fillRect/>
           </a:stretch>
@@ -8164,7 +8008,7 @@
           <p:nvPr/>
         </p:nvPicPr>
         <p:blipFill>
-          <a:blip r:embed="rId3"/>
+          <a:blip r:embed="rId2"/>
           <a:stretch>
             <a:fillRect/>
           </a:stretch>
@@ -8180,11 +8024,6 @@
         </p:spPr>
       </p:pic>
     </p:spTree>
-    <p:extLst>
-      <p:ext uri="{BB962C8B-B14F-4D97-AF65-F5344CB8AC3E}">
-        <p14:creationId xmlns:p14="http://schemas.microsoft.com/office/powerpoint/2010/main" val="2433871943"/>
-      </p:ext>
-    </p:extLst>
   </p:cSld>
   <p:clrMapOvr>
     <a:masterClrMapping/>
@@ -8616,7 +8455,7 @@
           <p:nvPr/>
         </p:nvPicPr>
         <p:blipFill>
-          <a:blip r:embed="rId2"/>
+          <a:blip r:embed="rId1"/>
           <a:stretch>
             <a:fillRect/>
           </a:stretch>
@@ -8640,7 +8479,7 @@
           <p:nvPr/>
         </p:nvPicPr>
         <p:blipFill>
-          <a:blip r:embed="rId3"/>
+          <a:blip r:embed="rId2"/>
           <a:stretch>
             <a:fillRect/>
           </a:stretch>
@@ -8664,7 +8503,7 @@
           <p:nvPr/>
         </p:nvPicPr>
         <p:blipFill>
-          <a:blip r:embed="rId4"/>
+          <a:blip r:embed="rId3"/>
           <a:stretch>
             <a:fillRect/>
           </a:stretch>
@@ -8688,7 +8527,7 @@
           <p:nvPr/>
         </p:nvPicPr>
         <p:blipFill>
-          <a:blip r:embed="rId5"/>
+          <a:blip r:embed="rId4"/>
           <a:stretch>
             <a:fillRect/>
           </a:stretch>
@@ -8712,7 +8551,7 @@
           <p:nvPr/>
         </p:nvPicPr>
         <p:blipFill>
-          <a:blip r:embed="rId6"/>
+          <a:blip r:embed="rId5"/>
           <a:stretch>
             <a:fillRect/>
           </a:stretch>
@@ -8736,7 +8575,7 @@
           <p:nvPr/>
         </p:nvPicPr>
         <p:blipFill>
-          <a:blip r:embed="rId7"/>
+          <a:blip r:embed="rId6"/>
           <a:stretch>
             <a:fillRect/>
           </a:stretch>
@@ -8752,11 +8591,6 @@
         </p:spPr>
       </p:pic>
     </p:spTree>
-    <p:extLst>
-      <p:ext uri="{BB962C8B-B14F-4D97-AF65-F5344CB8AC3E}">
-        <p14:creationId xmlns:p14="http://schemas.microsoft.com/office/powerpoint/2010/main" val="3749318181"/>
-      </p:ext>
-    </p:extLst>
   </p:cSld>
   <p:clrMapOvr>
     <a:masterClrMapping/>
@@ -10010,11 +9844,6 @@
         </p:sp>
       </p:grpSp>
     </p:spTree>
-    <p:extLst>
-      <p:ext uri="{BB962C8B-B14F-4D97-AF65-F5344CB8AC3E}">
-        <p14:creationId xmlns:p14="http://schemas.microsoft.com/office/powerpoint/2010/main" val="4193172045"/>
-      </p:ext>
-    </p:extLst>
   </p:cSld>
   <p:clrMapOvr>
     <a:masterClrMapping/>
@@ -10178,7 +10007,7 @@
                         <p:par>
                           <p:cTn id="17" fill="hold">
                             <p:stCondLst>
-                              <p:cond delay="2000"/>
+                              <p:cond delay="1500"/>
                             </p:stCondLst>
                             <p:childTnLst>
                               <p:par>
@@ -10244,7 +10073,7 @@
                         <p:par>
                           <p:cTn id="23" fill="hold">
                             <p:stCondLst>
-                              <p:cond delay="3000"/>
+                              <p:cond delay="2500"/>
                             </p:stCondLst>
                             <p:childTnLst>
                               <p:par>
@@ -10314,7 +10143,7 @@
                         <p:par>
                           <p:cTn id="30" fill="hold">
                             <p:stCondLst>
-                              <p:cond delay="4000"/>
+                              <p:cond delay="3000"/>
                             </p:stCondLst>
                             <p:childTnLst>
                               <p:par>
@@ -10380,7 +10209,7 @@
                         <p:par>
                           <p:cTn id="36" fill="hold">
                             <p:stCondLst>
-                              <p:cond delay="5000"/>
+                              <p:cond delay="4000"/>
                             </p:stCondLst>
                             <p:childTnLst>
                               <p:par>
@@ -10593,11 +10422,7 @@
             <a:pPr algn="ctr"/>
             <a:r>
               <a:rPr lang="en-US" altLang="zh-CN" sz="2400" dirty="0" smtClean="0"/>
-              <a:t>5</a:t>
-            </a:r>
-            <a:r>
-              <a:rPr lang="en-US" altLang="zh-CN" sz="2400" dirty="0" smtClean="0"/>
-              <a:t>.1</a:t>
+              <a:t>5.1</a:t>
             </a:r>
             <a:endParaRPr lang="en-US" altLang="zh-CN" sz="2400" dirty="0"/>
           </a:p>
@@ -11229,11 +11054,6 @@
         </p:sp>
       </p:grpSp>
     </p:spTree>
-    <p:extLst>
-      <p:ext uri="{BB962C8B-B14F-4D97-AF65-F5344CB8AC3E}">
-        <p14:creationId xmlns:p14="http://schemas.microsoft.com/office/powerpoint/2010/main" val="835386855"/>
-      </p:ext>
-    </p:extLst>
   </p:cSld>
   <p:clrMapOvr>
     <a:masterClrMapping/>
@@ -11397,7 +11217,7 @@
                         <p:par>
                           <p:cTn id="17" fill="hold">
                             <p:stCondLst>
-                              <p:cond delay="2000"/>
+                              <p:cond delay="1500"/>
                             </p:stCondLst>
                             <p:childTnLst>
                               <p:par>
@@ -11463,7 +11283,7 @@
                         <p:par>
                           <p:cTn id="23" fill="hold">
                             <p:stCondLst>
-                              <p:cond delay="3000"/>
+                              <p:cond delay="2500"/>
                             </p:stCondLst>
                             <p:childTnLst>
                               <p:par>
@@ -11533,7 +11353,7 @@
                         <p:par>
                           <p:cTn id="30" fill="hold">
                             <p:stCondLst>
-                              <p:cond delay="4000"/>
+                              <p:cond delay="3000"/>
                             </p:stCondLst>
                             <p:childTnLst>
                               <p:par>
@@ -11599,7 +11419,7 @@
                         <p:par>
                           <p:cTn id="36" fill="hold">
                             <p:stCondLst>
-                              <p:cond delay="5000"/>
+                              <p:cond delay="4000"/>
                             </p:stCondLst>
                             <p:childTnLst>
                               <p:par>
@@ -11829,13 +11649,7 @@
         <p:nvGraphicFramePr>
           <p:cNvPr id="3" name="表格 2"/>
           <p:cNvGraphicFramePr/>
-          <p:nvPr>
-            <p:extLst>
-              <p:ext uri="{D42A27DB-BD31-4B8C-83A1-F6EECF244321}">
-                <p14:modId xmlns:p14="http://schemas.microsoft.com/office/powerpoint/2010/main" val="1674914496"/>
-              </p:ext>
-            </p:extLst>
-          </p:nvPr>
+          <p:nvPr/>
         </p:nvGraphicFramePr>
         <p:xfrm>
           <a:off x="3934967" y="1629594"/>
@@ -11848,20 +11662,8 @@
                 <a:tableStyleId>{5C22544A-7EE6-4342-B048-85BDC9FD1C3A}</a:tableStyleId>
               </a:tblPr>
               <a:tblGrid>
-                <a:gridCol w="2738864">
-                  <a:extLst>
-                    <a:ext uri="{9D8B030D-6E8A-4147-A177-3AD203B41FA5}">
-                      <a16:colId xmlns:a16="http://schemas.microsoft.com/office/drawing/2014/main" val="20000"/>
-                    </a:ext>
-                  </a:extLst>
-                </a:gridCol>
-                <a:gridCol w="4245610">
-                  <a:extLst>
-                    <a:ext uri="{9D8B030D-6E8A-4147-A177-3AD203B41FA5}">
-                      <a16:colId xmlns:a16="http://schemas.microsoft.com/office/drawing/2014/main" val="20001"/>
-                    </a:ext>
-                  </a:extLst>
-                </a:gridCol>
+                <a:gridCol w="2738864"/>
+                <a:gridCol w="4245610"/>
               </a:tblGrid>
               <a:tr h="1322630">
                 <a:tc>
@@ -11893,6 +11695,11 @@
                         </a:rPr>
                         <a:t>UML用户指南（第2版·修订版）</a:t>
                       </a:r>
+                      <a:endParaRPr sz="2400" b="0" dirty="0" smtClean="0">
+                        <a:solidFill>
+                          <a:schemeClr val="tx1"/>
+                        </a:solidFill>
+                      </a:endParaRPr>
                     </a:p>
                     <a:p>
                       <a:pPr algn="l">
@@ -11968,6 +11775,11 @@
                         </a:rPr>
                         <a:t>Ivar Jacobson</a:t>
                       </a:r>
+                      <a:endParaRPr lang="en-US" altLang="zh-CN" sz="2400" b="0" dirty="0" smtClean="0">
+                        <a:solidFill>
+                          <a:schemeClr val="tx1"/>
+                        </a:solidFill>
+                      </a:endParaRPr>
                     </a:p>
                     <a:p>
                       <a:pPr algn="l"/>
@@ -12035,6 +11847,11 @@
                         </a:rPr>
                         <a:t>版</a:t>
                       </a:r>
+                      <a:endParaRPr lang="zh-CN" altLang="en-US" sz="2400" b="0" dirty="0" smtClean="0">
+                        <a:solidFill>
+                          <a:schemeClr val="tx1"/>
+                        </a:solidFill>
+                      </a:endParaRPr>
                     </a:p>
                   </a:txBody>
                   <a:tcPr>
@@ -12046,11 +11863,6 @@
                     </a:solidFill>
                   </a:tcPr>
                 </a:tc>
-                <a:extLst>
-                  <a:ext uri="{0D108BD9-81ED-4DB2-BD59-A6C34878D82A}">
-                    <a16:rowId xmlns:a16="http://schemas.microsoft.com/office/drawing/2014/main" val="10000"/>
-                  </a:ext>
-                </a:extLst>
               </a:tr>
               <a:tr h="894720">
                 <a:tc>
@@ -12069,6 +11881,11 @@
                         </a:rPr>
                         <a:t>UML2基础、建模与设计教程</a:t>
                       </a:r>
+                      <a:endParaRPr dirty="0" smtClean="0">
+                        <a:solidFill>
+                          <a:schemeClr val="tx1"/>
+                        </a:solidFill>
+                      </a:endParaRPr>
                     </a:p>
                   </a:txBody>
                   <a:tcPr/>
@@ -12142,11 +11959,6 @@
                   </a:txBody>
                   <a:tcPr/>
                 </a:tc>
-                <a:extLst>
-                  <a:ext uri="{0D108BD9-81ED-4DB2-BD59-A6C34878D82A}">
-                    <a16:rowId xmlns:a16="http://schemas.microsoft.com/office/drawing/2014/main" val="10001"/>
-                  </a:ext>
-                </a:extLst>
               </a:tr>
               <a:tr h="1167026">
                 <a:tc>
@@ -12269,7 +12081,6 @@
                         <a:buSzTx/>
                         <a:buFontTx/>
                         <a:buNone/>
-                        <a:tabLst/>
                         <a:defRPr/>
                       </a:pPr>
                       <a:r>
@@ -12296,33 +12107,23 @@
                     </a:solidFill>
                   </a:tcPr>
                 </a:tc>
-                <a:extLst>
-                  <a:ext uri="{0D108BD9-81ED-4DB2-BD59-A6C34878D82A}">
-                    <a16:rowId xmlns:a16="http://schemas.microsoft.com/office/drawing/2014/main" val="10002"/>
-                  </a:ext>
-                </a:extLst>
               </a:tr>
             </a:tbl>
           </a:graphicData>
         </a:graphic>
       </p:graphicFrame>
     </p:spTree>
-    <p:extLst>
-      <p:ext uri="{BB962C8B-B14F-4D97-AF65-F5344CB8AC3E}">
-        <p14:creationId xmlns:p14="http://schemas.microsoft.com/office/powerpoint/2010/main" val="3585706266"/>
-      </p:ext>
-    </p:extLst>
   </p:cSld>
   <p:clrMapOvr>
     <a:masterClrMapping/>
   </p:clrMapOvr>
-  <mc:AlternateContent xmlns:mc="http://schemas.openxmlformats.org/markup-compatibility/2006" xmlns:p14="http://schemas.microsoft.com/office/powerpoint/2010/main">
-    <mc:Choice Requires="p14">
+  <mc:AlternateContent xmlns:mc="http://schemas.openxmlformats.org/markup-compatibility/2006">
+    <mc:Choice xmlns:p14="http://schemas.microsoft.com/office/powerpoint/2010/main" Requires="p14">
       <p:transition spd="slow" p14:dur="1200" advClick="0" advTm="0">
         <p14:prism/>
       </p:transition>
     </mc:Choice>
-    <mc:Fallback xmlns="">
+    <mc:Fallback>
       <p:transition spd="slow" advClick="0" advTm="0">
         <p:fade/>
       </p:transition>
@@ -12700,6 +12501,13 @@
               </a:rPr>
               <a:t>绩效考评与分工</a:t>
             </a:r>
+            <a:endParaRPr lang="zh-CN" altLang="en-US" sz="3200" b="1" dirty="0" smtClean="0">
+              <a:solidFill>
+                <a:schemeClr val="bg1"/>
+              </a:solidFill>
+              <a:latin typeface="微软雅黑" panose="020B0503020204020204" pitchFamily="34" charset="-122"/>
+              <a:ea typeface="微软雅黑" panose="020B0503020204020204" pitchFamily="34" charset="-122"/>
+            </a:endParaRPr>
           </a:p>
         </p:txBody>
       </p:sp>
@@ -12720,27 +12528,9 @@
                 <a:tableStyleId>{5C22544A-7EE6-4342-B048-85BDC9FD1C3A}</a:tableStyleId>
               </a:tblPr>
               <a:tblGrid>
-                <a:gridCol w="1895475">
-                  <a:extLst>
-                    <a:ext uri="{9D8B030D-6E8A-4147-A177-3AD203B41FA5}">
-                      <a16:colId xmlns:a16="http://schemas.microsoft.com/office/drawing/2014/main" val="20000"/>
-                    </a:ext>
-                  </a:extLst>
-                </a:gridCol>
-                <a:gridCol w="2937510">
-                  <a:extLst>
-                    <a:ext uri="{9D8B030D-6E8A-4147-A177-3AD203B41FA5}">
-                      <a16:colId xmlns:a16="http://schemas.microsoft.com/office/drawing/2014/main" val="20001"/>
-                    </a:ext>
-                  </a:extLst>
-                </a:gridCol>
-                <a:gridCol w="2938145">
-                  <a:extLst>
-                    <a:ext uri="{9D8B030D-6E8A-4147-A177-3AD203B41FA5}">
-                      <a16:colId xmlns:a16="http://schemas.microsoft.com/office/drawing/2014/main" val="20002"/>
-                    </a:ext>
-                  </a:extLst>
-                </a:gridCol>
+                <a:gridCol w="1895475"/>
+                <a:gridCol w="2937510"/>
+                <a:gridCol w="2938145"/>
               </a:tblGrid>
               <a:tr h="713740">
                 <a:tc>
@@ -12759,6 +12549,11 @@
                         </a:rPr>
                         <a:t>黄为波</a:t>
                       </a:r>
+                      <a:endParaRPr lang="zh-CN" altLang="en-US" b="0" dirty="0">
+                        <a:solidFill>
+                          <a:schemeClr val="tx1"/>
+                        </a:solidFill>
+                      </a:endParaRPr>
                     </a:p>
                   </a:txBody>
                   <a:tcPr>
@@ -12777,13 +12572,60 @@
                     <a:p>
                       <a:pPr algn="l"/>
                       <a:r>
-                        <a:rPr lang="zh-CN" altLang="en-US" sz="2400" b="0" dirty="0" smtClean="0">
+                        <a:rPr lang="en-US" altLang="zh-CN" sz="2100" b="0" dirty="0" smtClean="0">
                           <a:solidFill>
                             <a:schemeClr val="tx1"/>
                           </a:solidFill>
                         </a:rPr>
-                        <a:t>负责需求项目计划的修改，可行性分析报告补全。</a:t>
+                        <a:t>项目总体计划</a:t>
                       </a:r>
+                      <a:r>
+                        <a:rPr lang="zh-CN" altLang="en-US" sz="2100" b="0" dirty="0" smtClean="0">
+                          <a:solidFill>
+                            <a:schemeClr val="tx1"/>
+                          </a:solidFill>
+                        </a:rPr>
+                        <a:t>甘特图，项目总体计划</a:t>
+                      </a:r>
+                      <a:r>
+                        <a:rPr lang="en-US" altLang="zh-CN" sz="2100" b="0" dirty="0" smtClean="0">
+                          <a:solidFill>
+                            <a:schemeClr val="tx1"/>
+                          </a:solidFill>
+                        </a:rPr>
+                        <a:t>WBS</a:t>
+                      </a:r>
+                      <a:r>
+                        <a:rPr lang="zh-CN" altLang="en-US" sz="2100" b="0" dirty="0" smtClean="0">
+                          <a:solidFill>
+                            <a:schemeClr val="tx1"/>
+                          </a:solidFill>
+                        </a:rPr>
+                        <a:t>，</a:t>
+                      </a:r>
+                      <a:r>
+                        <a:rPr lang="en-US" altLang="zh-CN" sz="2100" dirty="0" smtClean="0">
+                          <a:solidFill>
+                            <a:schemeClr val="tx1"/>
+                          </a:solidFill>
+                          <a:sym typeface="+mn-ea"/>
+                        </a:rPr>
+                        <a:t>UML</a:t>
+                      </a:r>
+                      <a:r>
+                        <a:rPr lang="zh-CN" altLang="en-US" sz="2100" dirty="0" smtClean="0">
+                          <a:solidFill>
+                            <a:schemeClr val="tx1"/>
+                          </a:solidFill>
+                          <a:sym typeface="+mn-ea"/>
+                        </a:rPr>
+                        <a:t>建模工具学习</a:t>
+                      </a:r>
+                      <a:endParaRPr lang="en-US" altLang="zh-CN" sz="2100" b="0" dirty="0" smtClean="0">
+                        <a:solidFill>
+                          <a:schemeClr val="tx1"/>
+                        </a:solidFill>
+                      </a:endParaRPr>
                     </a:p>
                   </a:txBody>
                   <a:tcPr>
@@ -12809,8 +12651,13 @@
                             <a:schemeClr val="tx1"/>
                           </a:solidFill>
                         </a:rPr>
-                        <a:t>9.4</a:t>
+                        <a:t>9.3</a:t>
                       </a:r>
+                      <a:endParaRPr lang="en-US" altLang="zh-CN" sz="2400" b="0" dirty="0" smtClean="0">
+                        <a:solidFill>
+                          <a:schemeClr val="tx1"/>
+                        </a:solidFill>
+                      </a:endParaRPr>
                     </a:p>
                   </a:txBody>
                   <a:tcPr>
@@ -12822,11 +12669,6 @@
                     </a:solidFill>
                   </a:tcPr>
                 </a:tc>
-                <a:extLst>
-                  <a:ext uri="{0D108BD9-81ED-4DB2-BD59-A6C34878D82A}">
-                    <a16:rowId xmlns:a16="http://schemas.microsoft.com/office/drawing/2014/main" val="10000"/>
-                  </a:ext>
-                </a:extLst>
               </a:tr>
               <a:tr h="716915">
                 <a:tc>
@@ -12845,6 +12687,54 @@
                         </a:rPr>
                         <a:t>苏雨豪</a:t>
                       </a:r>
+                      <a:endParaRPr lang="zh-CN" altLang="en-US" dirty="0" smtClean="0">
+                        <a:solidFill>
+                          <a:schemeClr val="tx1"/>
+                        </a:solidFill>
+                      </a:endParaRPr>
+                    </a:p>
+                  </a:txBody>
+                  <a:tcPr/>
+                </a:tc>
+                <a:tc>
+                  <a:txBody>
+                    <a:bodyPr/>
+                    <a:lstStyle/>
+                    <a:p>
+                      <a:pPr algn="l">
+                        <a:buNone/>
+                      </a:pPr>
+                      <a:r>
+                        <a:rPr lang="zh-CN" dirty="0" smtClean="0">
+                          <a:solidFill>
+                            <a:schemeClr val="tx1"/>
+                          </a:solidFill>
+                        </a:rPr>
+                        <a:t>项目章程模板寻找与制作，</a:t>
+                      </a:r>
+                      <a:r>
+                        <a:rPr lang="en-US" altLang="zh-CN" sz="2100" dirty="0" smtClean="0">
+                          <a:solidFill>
+                            <a:schemeClr val="tx1"/>
+                          </a:solidFill>
+                          <a:sym typeface="+mn-ea"/>
+                        </a:rPr>
+                        <a:t>UML</a:t>
+                      </a:r>
+                      <a:r>
+                        <a:rPr lang="zh-CN" altLang="en-US" sz="2100" dirty="0" smtClean="0">
+                          <a:solidFill>
+                            <a:schemeClr val="tx1"/>
+                          </a:solidFill>
+                          <a:sym typeface="+mn-ea"/>
+                        </a:rPr>
+                        <a:t>建模工具学习</a:t>
+                      </a:r>
+                      <a:endParaRPr lang="zh-CN" dirty="0" smtClean="0">
+                        <a:solidFill>
+                          <a:schemeClr val="tx1"/>
+                        </a:solidFill>
+                      </a:endParaRPr>
                     </a:p>
                   </a:txBody>
                   <a:tcPr/>
@@ -12863,45 +12753,17 @@
                             <a:schemeClr val="tx1"/>
                           </a:solidFill>
                         </a:rPr>
-                        <a:t>负责 1.7uml新特性ppt</a:t>
+                        <a:t>9.4</a:t>
                       </a:r>
-                      <a:r>
-                        <a:rPr lang="zh-CN" altLang="en-US" dirty="0" smtClean="0">
-                          <a:solidFill>
-                            <a:schemeClr val="tx1"/>
-                          </a:solidFill>
-                        </a:rPr>
-                        <a:t>制作</a:t>
-                      </a:r>
+                      <a:endParaRPr lang="en-US" altLang="zh-CN" dirty="0" smtClean="0">
+                        <a:solidFill>
+                          <a:schemeClr val="tx1"/>
+                        </a:solidFill>
+                      </a:endParaRPr>
                     </a:p>
                   </a:txBody>
                   <a:tcPr/>
                 </a:tc>
-                <a:tc>
-                  <a:txBody>
-                    <a:bodyPr/>
-                    <a:lstStyle/>
-                    <a:p>
-                      <a:pPr algn="l">
-                        <a:buNone/>
-                      </a:pPr>
-                      <a:r>
-                        <a:rPr lang="en-US" altLang="zh-CN" dirty="0" smtClean="0">
-                          <a:solidFill>
-                            <a:schemeClr val="tx1"/>
-                          </a:solidFill>
-                        </a:rPr>
-                        <a:t>9.5</a:t>
-                      </a:r>
-                    </a:p>
-                  </a:txBody>
-                  <a:tcPr/>
-                </a:tc>
-                <a:extLst>
-                  <a:ext uri="{0D108BD9-81ED-4DB2-BD59-A6C34878D82A}">
-                    <a16:rowId xmlns:a16="http://schemas.microsoft.com/office/drawing/2014/main" val="10001"/>
-                  </a:ext>
-                </a:extLst>
               </a:tr>
               <a:tr h="805815">
                 <a:tc>
@@ -12920,6 +12782,11 @@
                         </a:rPr>
                         <a:t>陈子卿</a:t>
                       </a:r>
+                      <a:endParaRPr lang="zh-CN" dirty="0" smtClean="0">
+                        <a:solidFill>
+                          <a:schemeClr val="tx1"/>
+                        </a:solidFill>
+                      </a:endParaRPr>
                     </a:p>
                   </a:txBody>
                   <a:tcPr>
@@ -12945,21 +12812,31 @@
                             <a:schemeClr val="tx1"/>
                           </a:solidFill>
                         </a:rPr>
-                        <a:t>负责1.1-1.3的PPT制作，</a:t>
+                        <a:t>项目总体计划文档制作，</a:t>
                       </a:r>
-                    </a:p>
-                    <a:p>
-                      <a:pPr algn="l">
-                        <a:buNone/>
-                      </a:pPr>
                       <a:r>
-                        <a:rPr lang="zh-CN" altLang="en-US" dirty="0" smtClean="0">
+                        <a:rPr lang="en-US" altLang="zh-CN" sz="2100" dirty="0" smtClean="0">
                           <a:solidFill>
                             <a:schemeClr val="tx1"/>
                           </a:solidFill>
+                          <a:sym typeface="+mn-ea"/>
                         </a:rPr>
-                        <a:t>1.4 uml结构ppt的制作</a:t>
+                        <a:t>UML</a:t>
                       </a:r>
+                      <a:r>
+                        <a:rPr lang="zh-CN" altLang="en-US" sz="2100" dirty="0" smtClean="0">
+                          <a:solidFill>
+                            <a:schemeClr val="tx1"/>
+                          </a:solidFill>
+                          <a:sym typeface="+mn-ea"/>
+                        </a:rPr>
+                        <a:t>建模工具学习</a:t>
+                      </a:r>
+                      <a:endParaRPr lang="zh-CN" altLang="en-US" dirty="0" smtClean="0">
+                        <a:solidFill>
+                          <a:schemeClr val="tx1"/>
+                        </a:solidFill>
+                      </a:endParaRPr>
                     </a:p>
                   </a:txBody>
                   <a:tcPr>
@@ -12985,8 +12862,13 @@
                             <a:schemeClr val="tx1"/>
                           </a:solidFill>
                         </a:rPr>
-                        <a:t>9.7</a:t>
+                        <a:t>9.6</a:t>
                       </a:r>
+                      <a:endParaRPr lang="en-US" altLang="zh-CN" dirty="0" smtClean="0">
+                        <a:solidFill>
+                          <a:schemeClr val="tx1"/>
+                        </a:solidFill>
+                      </a:endParaRPr>
                     </a:p>
                   </a:txBody>
                   <a:tcPr>
@@ -12998,11 +12880,6 @@
                     </a:solidFill>
                   </a:tcPr>
                 </a:tc>
-                <a:extLst>
-                  <a:ext uri="{0D108BD9-81ED-4DB2-BD59-A6C34878D82A}">
-                    <a16:rowId xmlns:a16="http://schemas.microsoft.com/office/drawing/2014/main" val="10002"/>
-                  </a:ext>
-                </a:extLst>
               </a:tr>
               <a:tr h="733425">
                 <a:tc>
@@ -13021,6 +12898,11 @@
                         </a:rPr>
                         <a:t>蔡峰</a:t>
                       </a:r>
+                      <a:endParaRPr lang="zh-CN" altLang="en-US" dirty="0" smtClean="0">
+                        <a:solidFill>
+                          <a:schemeClr val="tx1"/>
+                        </a:solidFill>
+                      </a:endParaRPr>
                     </a:p>
                   </a:txBody>
                   <a:tcPr>
@@ -13041,29 +12923,37 @@
                         <a:buNone/>
                       </a:pPr>
                       <a:r>
-                        <a:rPr lang="zh-CN" altLang="en-US" dirty="0" smtClean="0">
+                        <a:rPr lang="zh-CN" altLang="en-US" sz="2100" dirty="0" smtClean="0">
                           <a:solidFill>
                             <a:schemeClr val="tx1"/>
                           </a:solidFill>
+                          <a:sym typeface="+mn-ea"/>
                         </a:rPr>
-                        <a:t>负责uml视图ppt，</a:t>
+                        <a:t>项目总体计划文档制作，</a:t>
                       </a:r>
                       <a:r>
-                        <a:rPr lang="en-US" altLang="zh-CN" dirty="0" smtClean="0">
+                        <a:rPr lang="en-US" altLang="zh-CN" sz="2100" dirty="0" smtClean="0">
                           <a:solidFill>
                             <a:schemeClr val="tx1"/>
                           </a:solidFill>
+                          <a:sym typeface="+mn-ea"/>
                         </a:rPr>
-                        <a:t>uml</a:t>
+                        <a:t>UML</a:t>
                       </a:r>
                       <a:r>
-                        <a:rPr lang="zh-CN" altLang="en-US" dirty="0" smtClean="0">
+                        <a:rPr lang="zh-CN" altLang="en-US" sz="2100" dirty="0" smtClean="0">
                           <a:solidFill>
                             <a:schemeClr val="tx1"/>
                           </a:solidFill>
+                          <a:sym typeface="+mn-ea"/>
                         </a:rPr>
-                        <a:t>系统开发阶段</a:t>
+                        <a:t>建模工具学习</a:t>
                       </a:r>
+                      <a:endParaRPr lang="zh-CN" altLang="en-US" dirty="0" smtClean="0">
+                        <a:solidFill>
+                          <a:schemeClr val="tx1"/>
+                        </a:solidFill>
+                      </a:endParaRPr>
                     </a:p>
                   </a:txBody>
                   <a:tcPr>
@@ -13090,7 +12980,7 @@
                           </a:solidFill>
                           <a:sym typeface="+mn-ea"/>
                         </a:rPr>
-                        <a:t>9.4</a:t>
+                        <a:t>9.5</a:t>
                       </a:r>
                       <a:endParaRPr lang="en-US" altLang="zh-CN" sz="2100" b="0" dirty="0" smtClean="0">
                         <a:solidFill>
@@ -13119,11 +13009,6 @@
                     </a:solidFill>
                   </a:tcPr>
                 </a:tc>
-                <a:extLst>
-                  <a:ext uri="{0D108BD9-81ED-4DB2-BD59-A6C34878D82A}">
-                    <a16:rowId xmlns:a16="http://schemas.microsoft.com/office/drawing/2014/main" val="10003"/>
-                  </a:ext>
-                </a:extLst>
               </a:tr>
               <a:tr h="732790">
                 <a:tc>
@@ -13142,33 +13027,11 @@
                         </a:rPr>
                         <a:t>江亮儒</a:t>
                       </a:r>
-                    </a:p>
-                  </a:txBody>
-                  <a:tcPr>
-                    <a:solidFill>
-                      <a:schemeClr val="accent1">
-                        <a:lumMod val="40000"/>
-                        <a:lumOff val="60000"/>
-                      </a:schemeClr>
-                    </a:solidFill>
-                  </a:tcPr>
-                </a:tc>
-                <a:tc>
-                  <a:txBody>
-                    <a:bodyPr/>
-                    <a:lstStyle/>
-                    <a:p>
-                      <a:pPr algn="l">
-                        <a:buNone/>
-                      </a:pPr>
-                      <a:r>
-                        <a:rPr lang="zh-CN" altLang="en-US" dirty="0" smtClean="0">
-                          <a:solidFill>
-                            <a:schemeClr val="tx1"/>
-                          </a:solidFill>
-                        </a:rPr>
-                        <a:t>负责uml的图ppt</a:t>
-                      </a:r>
+                      <a:endParaRPr lang="zh-CN" altLang="en-US" dirty="0" smtClean="0">
+                        <a:solidFill>
+                          <a:schemeClr val="tx1"/>
+                        </a:solidFill>
+                      </a:endParaRPr>
                     </a:p>
                   </a:txBody>
                   <a:tcPr>
@@ -13194,8 +13057,37 @@
                             <a:schemeClr val="tx1"/>
                           </a:solidFill>
                         </a:rPr>
-                        <a:t>9.5</a:t>
+                        <a:t>UML</a:t>
                       </a:r>
+                      <a:r>
+                        <a:rPr lang="zh-CN" altLang="en-US" dirty="0" smtClean="0">
+                          <a:solidFill>
+                            <a:schemeClr val="tx1"/>
+                          </a:solidFill>
+                        </a:rPr>
+                        <a:t>建模工具学习，制作</a:t>
+                      </a:r>
+                      <a:r>
+                        <a:rPr lang="en-US" altLang="zh-CN" dirty="0" smtClean="0">
+                          <a:solidFill>
+                            <a:schemeClr val="tx1"/>
+                          </a:solidFill>
+                        </a:rPr>
+                        <a:t>PPT</a:t>
+                      </a:r>
+                      <a:r>
+                        <a:rPr lang="zh-CN" altLang="en-US" dirty="0" smtClean="0">
+                          <a:solidFill>
+                            <a:schemeClr val="tx1"/>
+                          </a:solidFill>
+                        </a:rPr>
+                        <a:t>，落实小组开发环境</a:t>
+                      </a:r>
+                      <a:endParaRPr lang="zh-CN" altLang="en-US" dirty="0" smtClean="0">
+                        <a:solidFill>
+                          <a:schemeClr val="tx1"/>
+                        </a:solidFill>
+                      </a:endParaRPr>
                     </a:p>
                   </a:txBody>
                   <a:tcPr>
@@ -13207,33 +13099,55 @@
                     </a:solidFill>
                   </a:tcPr>
                 </a:tc>
-                <a:extLst>
-                  <a:ext uri="{0D108BD9-81ED-4DB2-BD59-A6C34878D82A}">
-                    <a16:rowId xmlns:a16="http://schemas.microsoft.com/office/drawing/2014/main" val="10004"/>
-                  </a:ext>
-                </a:extLst>
+                <a:tc>
+                  <a:txBody>
+                    <a:bodyPr/>
+                    <a:lstStyle/>
+                    <a:p>
+                      <a:pPr algn="l">
+                        <a:buNone/>
+                      </a:pPr>
+                      <a:r>
+                        <a:rPr lang="en-US" altLang="zh-CN" dirty="0" smtClean="0">
+                          <a:solidFill>
+                            <a:schemeClr val="tx1"/>
+                          </a:solidFill>
+                        </a:rPr>
+                        <a:t>9.7</a:t>
+                      </a:r>
+                      <a:endParaRPr lang="en-US" altLang="zh-CN" dirty="0" smtClean="0">
+                        <a:solidFill>
+                          <a:schemeClr val="tx1"/>
+                        </a:solidFill>
+                      </a:endParaRPr>
+                    </a:p>
+                  </a:txBody>
+                  <a:tcPr>
+                    <a:solidFill>
+                      <a:schemeClr val="accent1">
+                        <a:lumMod val="40000"/>
+                        <a:lumOff val="60000"/>
+                      </a:schemeClr>
+                    </a:solidFill>
+                  </a:tcPr>
+                </a:tc>
               </a:tr>
             </a:tbl>
           </a:graphicData>
         </a:graphic>
       </p:graphicFrame>
     </p:spTree>
-    <p:extLst>
-      <p:ext uri="{BB962C8B-B14F-4D97-AF65-F5344CB8AC3E}">
-        <p14:creationId xmlns:p14="http://schemas.microsoft.com/office/powerpoint/2010/main" val="4188216381"/>
-      </p:ext>
-    </p:extLst>
   </p:cSld>
   <p:clrMapOvr>
     <a:masterClrMapping/>
   </p:clrMapOvr>
-  <mc:AlternateContent xmlns:mc="http://schemas.openxmlformats.org/markup-compatibility/2006" xmlns:p14="http://schemas.microsoft.com/office/powerpoint/2010/main">
-    <mc:Choice Requires="p14">
+  <mc:AlternateContent xmlns:mc="http://schemas.openxmlformats.org/markup-compatibility/2006">
+    <mc:Choice xmlns:p14="http://schemas.microsoft.com/office/powerpoint/2010/main" Requires="p14">
       <p:transition spd="slow" p14:dur="1200" advClick="0" advTm="0">
         <p14:prism/>
       </p:transition>
     </mc:Choice>
-    <mc:Fallback xmlns="">
+    <mc:Fallback>
       <p:transition spd="slow" advClick="0" advTm="0">
         <p:fade/>
       </p:transition>
@@ -14750,13 +14664,13 @@
   <p:clrMapOvr>
     <a:masterClrMapping/>
   </p:clrMapOvr>
-  <mc:AlternateContent xmlns:mc="http://schemas.openxmlformats.org/markup-compatibility/2006" xmlns:p14="http://schemas.microsoft.com/office/powerpoint/2010/main">
-    <mc:Choice Requires="p14">
+  <mc:AlternateContent xmlns:mc="http://schemas.openxmlformats.org/markup-compatibility/2006">
+    <mc:Choice xmlns:p14="http://schemas.microsoft.com/office/powerpoint/2010/main" Requires="p14">
       <p:transition spd="slow" p14:dur="1200" advClick="0" advTm="0">
         <p14:prism/>
       </p:transition>
     </mc:Choice>
-    <mc:Fallback xmlns="">
+    <mc:Fallback>
       <p:transition spd="slow" advClick="0" advTm="0">
         <p:fade/>
       </p:transition>
@@ -15166,7 +15080,7 @@
                         <p:par>
                           <p:cTn id="32" fill="hold">
                             <p:stCondLst>
-                              <p:cond delay="3850"/>
+                              <p:cond delay="3350"/>
                             </p:stCondLst>
                             <p:childTnLst>
                               <p:par>
@@ -15232,7 +15146,7 @@
                         <p:par>
                           <p:cTn id="38" fill="hold">
                             <p:stCondLst>
-                              <p:cond delay="4850"/>
+                              <p:cond delay="4350"/>
                             </p:stCondLst>
                             <p:childTnLst>
                               <p:par>
@@ -15302,7 +15216,7 @@
                         <p:par>
                           <p:cTn id="45" fill="hold">
                             <p:stCondLst>
-                              <p:cond delay="5850"/>
+                              <p:cond delay="4850"/>
                             </p:stCondLst>
                             <p:childTnLst>
                               <p:par>
@@ -15368,7 +15282,7 @@
                         <p:par>
                           <p:cTn id="51" fill="hold">
                             <p:stCondLst>
-                              <p:cond delay="6850"/>
+                              <p:cond delay="5850"/>
                             </p:stCondLst>
                             <p:childTnLst>
                               <p:par>
@@ -15438,7 +15352,7 @@
                         <p:par>
                           <p:cTn id="58" fill="hold">
                             <p:stCondLst>
-                              <p:cond delay="7850"/>
+                              <p:cond delay="6350"/>
                             </p:stCondLst>
                             <p:childTnLst>
                               <p:par>
@@ -15504,7 +15418,7 @@
                         <p:par>
                           <p:cTn id="64" fill="hold">
                             <p:stCondLst>
-                              <p:cond delay="8850"/>
+                              <p:cond delay="7350"/>
                             </p:stCondLst>
                             <p:childTnLst>
                               <p:par>
@@ -15574,7 +15488,7 @@
                         <p:par>
                           <p:cTn id="71" fill="hold">
                             <p:stCondLst>
-                              <p:cond delay="9850"/>
+                              <p:cond delay="7850"/>
                             </p:stCondLst>
                             <p:childTnLst>
                               <p:par>
@@ -15640,7 +15554,7 @@
                         <p:par>
                           <p:cTn id="77" fill="hold">
                             <p:stCondLst>
-                              <p:cond delay="10850"/>
+                              <p:cond delay="8850"/>
                             </p:stCondLst>
                             <p:childTnLst>
                               <p:par>
@@ -16370,6 +16284,16 @@
               </a:rPr>
               <a:t>汇报结束 感谢观看</a:t>
             </a:r>
+            <a:endParaRPr lang="zh-CN" altLang="en-US" sz="3600" b="1" dirty="0">
+              <a:solidFill>
+                <a:schemeClr val="tx1">
+                  <a:lumMod val="75000"/>
+                  <a:lumOff val="25000"/>
+                </a:schemeClr>
+              </a:solidFill>
+              <a:latin typeface="微软雅黑" panose="020B0503020204020204" pitchFamily="34" charset="-122"/>
+              <a:ea typeface="微软雅黑" panose="020B0503020204020204" pitchFamily="34" charset="-122"/>
+            </a:endParaRPr>
           </a:p>
         </p:txBody>
       </p:sp>
@@ -16531,16 +16455,16 @@
             <a:picLocks noChangeAspect="1"/>
           </p:cNvPicPr>
           <p:nvPr>
-            <a:audioFile r:link="rId2"/>
+            <a:audioFile r:link="rId1"/>
             <p:extLst>
               <p:ext uri="{DAA4B4D4-6D71-4841-9C94-3DE7FCFB9230}">
-                <p14:media xmlns:p14="http://schemas.microsoft.com/office/powerpoint/2010/main" r:embed="rId1"/>
+                <p14:media xmlns:p14="http://schemas.microsoft.com/office/powerpoint/2010/main" r:embed="rId2"/>
               </p:ext>
             </p:extLst>
           </p:nvPr>
         </p:nvPicPr>
         <p:blipFill>
-          <a:blip r:embed="rId5"/>
+          <a:blip r:embed="rId3"/>
           <a:stretch>
             <a:fillRect/>
           </a:stretch>
@@ -16588,6 +16512,14 @@
               </a:rPr>
               <a:t>浙江大学城市学院</a:t>
             </a:r>
+            <a:endParaRPr lang="zh-CN" altLang="en-US" kern="300" spc="2000">
+              <a:solidFill>
+                <a:schemeClr val="tx1"/>
+              </a:solidFill>
+              <a:uFillTx/>
+              <a:latin typeface="+中文标题" charset="0"/>
+              <a:ea typeface="+mj-ea"/>
+            </a:endParaRPr>
           </a:p>
         </p:txBody>
       </p:sp>
@@ -16596,13 +16528,13 @@
   <p:clrMapOvr>
     <a:masterClrMapping/>
   </p:clrMapOvr>
-  <mc:AlternateContent xmlns:mc="http://schemas.openxmlformats.org/markup-compatibility/2006" xmlns:p14="http://schemas.microsoft.com/office/powerpoint/2010/main">
-    <mc:Choice Requires="p14">
+  <mc:AlternateContent xmlns:mc="http://schemas.openxmlformats.org/markup-compatibility/2006">
+    <mc:Choice xmlns:p14="http://schemas.microsoft.com/office/powerpoint/2010/main" Requires="p14">
       <p:transition spd="slow" p14:dur="1600" advClick="0" advTm="0">
         <p:blinds dir="vert"/>
       </p:transition>
     </mc:Choice>
-    <mc:Fallback xmlns="">
+    <mc:Fallback>
       <p:transition spd="slow" advClick="0" advTm="0">
         <p:blinds dir="vert"/>
       </p:transition>
@@ -18323,7 +18255,7 @@
                         <p:par>
                           <p:cTn id="17" fill="hold">
                             <p:stCondLst>
-                              <p:cond delay="2000"/>
+                              <p:cond delay="1500"/>
                             </p:stCondLst>
                             <p:childTnLst>
                               <p:par>
@@ -18389,7 +18321,7 @@
                         <p:par>
                           <p:cTn id="23" fill="hold">
                             <p:stCondLst>
-                              <p:cond delay="3000"/>
+                              <p:cond delay="2500"/>
                             </p:stCondLst>
                             <p:childTnLst>
                               <p:par>
@@ -18459,7 +18391,7 @@
                         <p:par>
                           <p:cTn id="30" fill="hold">
                             <p:stCondLst>
-                              <p:cond delay="4000"/>
+                              <p:cond delay="3000"/>
                             </p:stCondLst>
                             <p:childTnLst>
                               <p:par>
@@ -18525,7 +18457,7 @@
                         <p:par>
                           <p:cTn id="36" fill="hold">
                             <p:stCondLst>
-                              <p:cond delay="5000"/>
+                              <p:cond delay="4000"/>
                             </p:stCondLst>
                             <p:childTnLst>
                               <p:par>
@@ -18740,6 +18672,7 @@
               <a:rPr lang="en-US" altLang="zh-CN" sz="2400" dirty="0"/>
               <a:t>1.1</a:t>
             </a:r>
+            <a:endParaRPr lang="en-US" altLang="zh-CN" sz="2400" dirty="0"/>
           </a:p>
         </p:txBody>
       </p:sp>
@@ -18865,8 +18798,6 @@
                 <a:schemeClr val="tx1"/>
               </a:solidFill>
               <a:round/>
-              <a:headEnd/>
-              <a:tailEnd/>
             </a:ln>
             <a:effectLst>
               <a:glow rad="63500">
@@ -18950,6 +18881,7 @@
                 <a:rPr lang="en-US" altLang="zh-CN" sz="2000" dirty="0" smtClean="0"/>
                 <a:t>Software</a:t>
               </a:r>
+              <a:endParaRPr lang="en-US" altLang="zh-CN" sz="2000" dirty="0" smtClean="0"/>
             </a:p>
             <a:p>
               <a:r>
@@ -19008,6 +18940,7 @@
                 <a:rPr lang="zh-CN" altLang="zh-CN" sz="2000" dirty="0"/>
                 <a:t>，这个工具都是适用的。</a:t>
               </a:r>
+              <a:endParaRPr lang="zh-CN" altLang="zh-CN" sz="2000" dirty="0"/>
             </a:p>
             <a:p>
               <a:r>
@@ -19065,6 +18998,7 @@
                 <a:rPr lang="zh-CN" altLang="zh-CN" sz="2000" dirty="0"/>
                 <a:t>包括了如下子工具：</a:t>
               </a:r>
+              <a:endParaRPr lang="zh-CN" altLang="zh-CN" sz="2000" dirty="0"/>
             </a:p>
             <a:p>
               <a:r>
@@ -19350,8 +19284,6 @@
                 <a:schemeClr val="tx1"/>
               </a:solidFill>
               <a:round/>
-              <a:headEnd/>
-              <a:tailEnd/>
             </a:ln>
             <a:effectLst>
               <a:glow rad="63500">
@@ -19405,15 +19337,7 @@
                     <a:srgbClr val="FF0000"/>
                   </a:solidFill>
                 </a:rPr>
-                <a:t>1</a:t>
-              </a:r>
-              <a:r>
-                <a:rPr lang="en-US" altLang="zh-CN" sz="2000" b="1" i="1" dirty="0" smtClean="0">
-                  <a:solidFill>
-                    <a:srgbClr val="FF0000"/>
-                  </a:solidFill>
-                </a:rPr>
-                <a:t>. </a:t>
+                <a:t>1. </a:t>
               </a:r>
               <a:r>
                 <a:rPr lang="zh-CN" altLang="en-US" sz="2000" b="1" dirty="0" smtClean="0">
@@ -20016,8 +19940,6 @@
                 <a:schemeClr val="tx1"/>
               </a:solidFill>
               <a:round/>
-              <a:headEnd/>
-              <a:tailEnd/>
             </a:ln>
             <a:effectLst>
               <a:glow rad="63500">
@@ -20105,6 +20027,11 @@
                 </a:rPr>
                 <a:t>规范</a:t>
               </a:r>
+              <a:endParaRPr lang="zh-CN" altLang="zh-CN" sz="2000" b="1" i="1" dirty="0">
+                <a:solidFill>
+                  <a:srgbClr val="FF0000"/>
+                </a:solidFill>
+              </a:endParaRPr>
             </a:p>
             <a:p>
               <a:r>
@@ -20147,6 +20074,7 @@
                 <a:rPr lang="zh-CN" altLang="zh-CN" sz="2000" dirty="0"/>
                 <a:t>能够理解并应用原型；对于部署图而言，改进了实例建模，并包含了原型可访问性的更新；在时序图中改进了失败生命线的交互操作；结构图改进了端口、部件的符号。</a:t>
               </a:r>
+              <a:endParaRPr lang="zh-CN" altLang="zh-CN" sz="2000" dirty="0"/>
             </a:p>
             <a:p>
               <a:r>
@@ -20165,6 +20093,11 @@
                 </a:rPr>
                 <a:t>搜索功能的改进</a:t>
               </a:r>
+              <a:endParaRPr lang="zh-CN" altLang="zh-CN" sz="2000" b="1" i="1" dirty="0">
+                <a:solidFill>
+                  <a:srgbClr val="FF0000"/>
+                </a:solidFill>
+              </a:endParaRPr>
             </a:p>
             <a:p>
               <a:r>
@@ -20215,6 +20148,7 @@
                 <a:rPr lang="zh-CN" altLang="zh-CN" sz="2000" dirty="0"/>
                 <a:t>。</a:t>
               </a:r>
+              <a:endParaRPr lang="zh-CN" altLang="zh-CN" sz="2000" dirty="0"/>
             </a:p>
             <a:p>
               <a:r>
@@ -20233,6 +20167,11 @@
                 </a:rPr>
                 <a:t>模型可用性的改进</a:t>
               </a:r>
+              <a:endParaRPr lang="zh-CN" altLang="zh-CN" sz="2000" b="1" i="1" dirty="0">
+                <a:solidFill>
+                  <a:srgbClr val="FF0000"/>
+                </a:solidFill>
+              </a:endParaRPr>
             </a:p>
             <a:p>
               <a:r>
@@ -20267,6 +20206,7 @@
                 <a:rPr lang="zh-CN" altLang="zh-CN" sz="2000" dirty="0"/>
                 <a:t>活动，针对注释和几何图形的连接器助手等。</a:t>
               </a:r>
+              <a:endParaRPr lang="zh-CN" altLang="zh-CN" sz="2000" dirty="0"/>
             </a:p>
             <a:p>
               <a:endParaRPr lang="zh-CN" altLang="zh-CN" sz="2000" dirty="0"/>
@@ -20466,7 +20406,7 @@
           <p:nvPr/>
         </p:nvPicPr>
         <p:blipFill>
-          <a:blip r:embed="rId2">
+          <a:blip r:embed="rId1">
             <a:extLst>
               <a:ext uri="{28A0092B-C50C-407E-A947-70E740481C1C}">
                 <a14:useLocalDpi xmlns:a14="http://schemas.microsoft.com/office/drawing/2010/main" val="0"/>
@@ -20496,7 +20436,7 @@
           <p:nvPr/>
         </p:nvPicPr>
         <p:blipFill>
-          <a:blip r:embed="rId3"/>
+          <a:blip r:embed="rId2"/>
           <a:stretch>
             <a:fillRect/>
           </a:stretch>
@@ -20512,11 +20452,6 @@
         </p:spPr>
       </p:pic>
     </p:spTree>
-    <p:extLst>
-      <p:ext uri="{BB962C8B-B14F-4D97-AF65-F5344CB8AC3E}">
-        <p14:creationId xmlns:p14="http://schemas.microsoft.com/office/powerpoint/2010/main" val="741550514"/>
-      </p:ext>
-    </p:extLst>
   </p:cSld>
   <p:clrMapOvr>
     <a:masterClrMapping/>
@@ -21249,11 +21184,6 @@
         </p:sp>
       </p:grpSp>
     </p:spTree>
-    <p:extLst>
-      <p:ext uri="{BB962C8B-B14F-4D97-AF65-F5344CB8AC3E}">
-        <p14:creationId xmlns:p14="http://schemas.microsoft.com/office/powerpoint/2010/main" val="3023016872"/>
-      </p:ext>
-    </p:extLst>
   </p:cSld>
   <p:clrMapOvr>
     <a:masterClrMapping/>
@@ -21417,7 +21347,7 @@
                         <p:par>
                           <p:cTn id="17" fill="hold">
                             <p:stCondLst>
-                              <p:cond delay="2000"/>
+                              <p:cond delay="1500"/>
                             </p:stCondLst>
                             <p:childTnLst>
                               <p:par>
@@ -21483,7 +21413,7 @@
                         <p:par>
                           <p:cTn id="23" fill="hold">
                             <p:stCondLst>
-                              <p:cond delay="3000"/>
+                              <p:cond delay="2500"/>
                             </p:stCondLst>
                             <p:childTnLst>
                               <p:par>
@@ -21779,8 +21709,6 @@
                 <a:schemeClr val="tx1"/>
               </a:solidFill>
               <a:round/>
-              <a:headEnd/>
-              <a:tailEnd/>
             </a:ln>
             <a:effectLst>
               <a:glow rad="63500">
@@ -21948,6 +21876,7 @@
                 <a:rPr lang="en-US" altLang="zh-CN" dirty="0" smtClean="0"/>
                 <a:t>Visio</a:t>
               </a:r>
+              <a:endParaRPr lang="en-US" altLang="zh-CN" dirty="0" smtClean="0"/>
             </a:p>
             <a:p>
               <a:r>
@@ -22306,8 +22235,6 @@
       </a:bgFillStyleLst>
     </a:fmtScheme>
   </a:themeElements>
-  <a:objectDefaults/>
-  <a:extraClrSchemeLst/>
   <a:extLst>
     <a:ext uri="{05A4C25C-085E-4340-85A3-A5531E510DB2}">
       <thm15:themeFamily xmlns:thm15="http://schemas.microsoft.com/office/thememl/2012/main" name="Office Theme" id="{62F939B6-93AF-4DB8-9C6B-D6C7DFDC589F}" vid="{4A3C46E8-61CC-4603-A589-7422A47A8E4A}"/>
@@ -22596,8 +22523,6 @@
       </a:bgFillStyleLst>
     </a:fmtScheme>
   </a:themeElements>
-  <a:objectDefaults/>
-  <a:extraClrSchemeLst/>
   <a:extLst>
     <a:ext uri="{05A4C25C-085E-4340-85A3-A5531E510DB2}">
       <thm15:themeFamily xmlns:thm15="http://schemas.microsoft.com/office/thememl/2012/main" name="Office Theme" id="{62F939B6-93AF-4DB8-9C6B-D6C7DFDC589F}" vid="{4A3C46E8-61CC-4603-A589-7422A47A8E4A}"/>
@@ -22886,8 +22811,6 @@
       </a:bgFillStyleLst>
     </a:fmtScheme>
   </a:themeElements>
-  <a:objectDefaults/>
-  <a:extraClrSchemeLst/>
   <a:extLst>
     <a:ext uri="{05A4C25C-085E-4340-85A3-A5531E510DB2}">
       <thm15:themeFamily xmlns:thm15="http://schemas.microsoft.com/office/thememl/2012/main" name="Office Theme" id="{62F939B6-93AF-4DB8-9C6B-D6C7DFDC589F}" vid="{4A3C46E8-61CC-4603-A589-7422A47A8E4A}"/>
